--- a/figures/Fig12_shifting_dist_approaches.pptx
+++ b/figures/Fig12_shifting_dist_approaches.pptx
@@ -198,7 +198,7 @@
           <a:p>
             <a:fld id="{B03561BB-84AF-ED42-862E-1836A7BBC8A0}" type="datetimeFigureOut">
               <a:rPr lang="en-US" smtClean="0"/>
-              <a:t>9/9/24</a:t>
+              <a:t>10/10/24</a:t>
             </a:fld>
             <a:endParaRPr lang="en-US"/>
           </a:p>
@@ -696,7 +696,7 @@
           <a:p>
             <a:fld id="{9D780427-7A38-984A-AD6D-5AC4C3D135A3}" type="datetimeFigureOut">
               <a:rPr lang="en-US" smtClean="0"/>
-              <a:t>9/9/24</a:t>
+              <a:t>10/10/24</a:t>
             </a:fld>
             <a:endParaRPr lang="en-US"/>
           </a:p>
@@ -894,7 +894,7 @@
           <a:p>
             <a:fld id="{9D780427-7A38-984A-AD6D-5AC4C3D135A3}" type="datetimeFigureOut">
               <a:rPr lang="en-US" smtClean="0"/>
-              <a:t>9/9/24</a:t>
+              <a:t>10/10/24</a:t>
             </a:fld>
             <a:endParaRPr lang="en-US"/>
           </a:p>
@@ -1102,7 +1102,7 @@
           <a:p>
             <a:fld id="{9D780427-7A38-984A-AD6D-5AC4C3D135A3}" type="datetimeFigureOut">
               <a:rPr lang="en-US" smtClean="0"/>
-              <a:t>9/9/24</a:t>
+              <a:t>10/10/24</a:t>
             </a:fld>
             <a:endParaRPr lang="en-US"/>
           </a:p>
@@ -1300,7 +1300,7 @@
           <a:p>
             <a:fld id="{9D780427-7A38-984A-AD6D-5AC4C3D135A3}" type="datetimeFigureOut">
               <a:rPr lang="en-US" smtClean="0"/>
-              <a:t>9/9/24</a:t>
+              <a:t>10/10/24</a:t>
             </a:fld>
             <a:endParaRPr lang="en-US"/>
           </a:p>
@@ -1575,7 +1575,7 @@
           <a:p>
             <a:fld id="{9D780427-7A38-984A-AD6D-5AC4C3D135A3}" type="datetimeFigureOut">
               <a:rPr lang="en-US" smtClean="0"/>
-              <a:t>9/9/24</a:t>
+              <a:t>10/10/24</a:t>
             </a:fld>
             <a:endParaRPr lang="en-US"/>
           </a:p>
@@ -1840,7 +1840,7 @@
           <a:p>
             <a:fld id="{9D780427-7A38-984A-AD6D-5AC4C3D135A3}" type="datetimeFigureOut">
               <a:rPr lang="en-US" smtClean="0"/>
-              <a:t>9/9/24</a:t>
+              <a:t>10/10/24</a:t>
             </a:fld>
             <a:endParaRPr lang="en-US"/>
           </a:p>
@@ -2252,7 +2252,7 @@
           <a:p>
             <a:fld id="{9D780427-7A38-984A-AD6D-5AC4C3D135A3}" type="datetimeFigureOut">
               <a:rPr lang="en-US" smtClean="0"/>
-              <a:t>9/9/24</a:t>
+              <a:t>10/10/24</a:t>
             </a:fld>
             <a:endParaRPr lang="en-US"/>
           </a:p>
@@ -2393,7 +2393,7 @@
           <a:p>
             <a:fld id="{9D780427-7A38-984A-AD6D-5AC4C3D135A3}" type="datetimeFigureOut">
               <a:rPr lang="en-US" smtClean="0"/>
-              <a:t>9/9/24</a:t>
+              <a:t>10/10/24</a:t>
             </a:fld>
             <a:endParaRPr lang="en-US"/>
           </a:p>
@@ -2506,7 +2506,7 @@
           <a:p>
             <a:fld id="{9D780427-7A38-984A-AD6D-5AC4C3D135A3}" type="datetimeFigureOut">
               <a:rPr lang="en-US" smtClean="0"/>
-              <a:t>9/9/24</a:t>
+              <a:t>10/10/24</a:t>
             </a:fld>
             <a:endParaRPr lang="en-US"/>
           </a:p>
@@ -2817,7 +2817,7 @@
           <a:p>
             <a:fld id="{9D780427-7A38-984A-AD6D-5AC4C3D135A3}" type="datetimeFigureOut">
               <a:rPr lang="en-US" smtClean="0"/>
-              <a:t>9/9/24</a:t>
+              <a:t>10/10/24</a:t>
             </a:fld>
             <a:endParaRPr lang="en-US"/>
           </a:p>
@@ -3105,7 +3105,7 @@
           <a:p>
             <a:fld id="{9D780427-7A38-984A-AD6D-5AC4C3D135A3}" type="datetimeFigureOut">
               <a:rPr lang="en-US" smtClean="0"/>
-              <a:t>9/9/24</a:t>
+              <a:t>10/10/24</a:t>
             </a:fld>
             <a:endParaRPr lang="en-US"/>
           </a:p>
@@ -3346,7 +3346,7 @@
           <a:p>
             <a:fld id="{9D780427-7A38-984A-AD6D-5AC4C3D135A3}" type="datetimeFigureOut">
               <a:rPr lang="en-US" smtClean="0"/>
-              <a:t>9/9/24</a:t>
+              <a:t>10/10/24</a:t>
             </a:fld>
             <a:endParaRPr lang="en-US"/>
           </a:p>
@@ -3930,7 +3930,7 @@
         </p:nvSpPr>
         <p:spPr>
           <a:xfrm>
-            <a:off x="9749375" y="2024803"/>
+            <a:off x="9864985" y="2024803"/>
             <a:ext cx="1334530" cy="369332"/>
           </a:xfrm>
           <a:prstGeom prst="rect">
@@ -3947,7 +3947,7 @@
             <a:pPr algn="ctr"/>
             <a:r>
               <a:rPr lang="en-US" dirty="0"/>
-              <a:t>Trading</a:t>
+              <a:t>Transfers</a:t>
             </a:r>
           </a:p>
         </p:txBody>
@@ -3966,8 +3966,8 @@
         </p:nvSpPr>
         <p:spPr>
           <a:xfrm>
-            <a:off x="6699736" y="5929883"/>
-            <a:ext cx="2630145" cy="646331"/>
+            <a:off x="5581498" y="5451344"/>
+            <a:ext cx="3528170" cy="738664"/>
           </a:xfrm>
           <a:prstGeom prst="rect">
             <a:avLst/>
@@ -3982,27 +3982,43 @@
           <a:p>
             <a:pPr algn="r"/>
             <a:r>
-              <a:rPr lang="en-US" dirty="0">
+              <a:rPr lang="en-US" sz="1400" b="1" dirty="0">
                 <a:solidFill>
-                  <a:schemeClr val="bg1">
-                    <a:lumMod val="65000"/>
+                  <a:schemeClr val="tx1">
+                    <a:lumMod val="50000"/>
+                    <a:lumOff val="50000"/>
                   </a:schemeClr>
                 </a:solidFill>
               </a:rPr>
-              <a:t>Example: </a:t>
+              <a:t>Mid-Atlantic black sea bass </a:t>
             </a:r>
           </a:p>
           <a:p>
             <a:pPr algn="r"/>
             <a:r>
-              <a:rPr lang="en-US" dirty="0">
+              <a:rPr lang="en-US" sz="1400" dirty="0">
                 <a:solidFill>
-                  <a:schemeClr val="bg1">
-                    <a:lumMod val="65000"/>
+                  <a:schemeClr val="tx1">
+                    <a:lumMod val="50000"/>
+                    <a:lumOff val="50000"/>
                   </a:schemeClr>
                 </a:solidFill>
               </a:rPr>
-              <a:t>Bluefish</a:t>
+              <a:t>75% historical landings, </a:t>
+            </a:r>
+          </a:p>
+          <a:p>
+            <a:pPr algn="r"/>
+            <a:r>
+              <a:rPr lang="en-US" sz="1400" dirty="0">
+                <a:solidFill>
+                  <a:schemeClr val="tx1">
+                    <a:lumMod val="50000"/>
+                    <a:lumOff val="50000"/>
+                  </a:schemeClr>
+                </a:solidFill>
+              </a:rPr>
+              <a:t>25% current distribution</a:t>
             </a:r>
           </a:p>
         </p:txBody>
@@ -4023,8 +4039,8 @@
         </p:nvCxnSpPr>
         <p:spPr>
           <a:xfrm>
-            <a:off x="9309363" y="4640402"/>
-            <a:ext cx="0" cy="1639512"/>
+            <a:off x="9109668" y="4640402"/>
+            <a:ext cx="0" cy="1466108"/>
           </a:xfrm>
           <a:prstGeom prst="line">
             <a:avLst/>
@@ -4053,12 +4069,106 @@
           </a:fontRef>
         </p:style>
       </p:cxnSp>
+      <p:sp>
+        <p:nvSpPr>
+          <p:cNvPr id="2" name="TextBox 1">
+            <a:extLst>
+              <a:ext uri="{FF2B5EF4-FFF2-40B4-BE49-F238E27FC236}">
+                <a16:creationId xmlns:a16="http://schemas.microsoft.com/office/drawing/2014/main" id="{3F18E986-7F18-4F0D-3748-448DCBA09C96}"/>
+              </a:ext>
+            </a:extLst>
+          </p:cNvPr>
+          <p:cNvSpPr txBox="1">
+            <a:spLocks/>
+          </p:cNvSpPr>
+          <p:nvPr/>
+        </p:nvSpPr>
+        <p:spPr>
+          <a:xfrm>
+            <a:off x="10348537" y="2313978"/>
+            <a:ext cx="907207" cy="369332"/>
+          </a:xfrm>
+          <a:prstGeom prst="rect">
+            <a:avLst/>
+          </a:prstGeom>
+          <a:noFill/>
+        </p:spPr>
+        <p:txBody>
+          <a:bodyPr wrap="square" rtlCol="0">
+            <a:spAutoFit/>
+          </a:bodyPr>
+          <a:lstStyle/>
+          <a:p>
+            <a:pPr algn="ctr"/>
+            <a:r>
+              <a:rPr lang="en-US" dirty="0">
+                <a:solidFill>
+                  <a:srgbClr val="FF0000"/>
+                </a:solidFill>
+              </a:rPr>
+              <a:t>$$</a:t>
+            </a:r>
+          </a:p>
+        </p:txBody>
+      </p:sp>
+      <p:pic>
+        <p:nvPicPr>
+          <p:cNvPr id="5" name="Picture 2" descr="Premium Vector | Fish silhouette vector illustration Graphic ...">
+            <a:extLst>
+              <a:ext uri="{FF2B5EF4-FFF2-40B4-BE49-F238E27FC236}">
+                <a16:creationId xmlns:a16="http://schemas.microsoft.com/office/drawing/2014/main" id="{2AA46AFA-BF38-EADB-C1D5-4C9925EF2178}"/>
+              </a:ext>
+            </a:extLst>
+          </p:cNvPr>
+          <p:cNvPicPr>
+            <a:picLocks noChangeArrowheads="1"/>
+          </p:cNvPicPr>
+          <p:nvPr/>
+        </p:nvPicPr>
+        <p:blipFill rotWithShape="1">
+          <a:blip r:embed="rId4">
+            <a:duotone>
+              <a:schemeClr val="accent1">
+                <a:shade val="45000"/>
+                <a:satMod val="135000"/>
+              </a:schemeClr>
+              <a:prstClr val="white"/>
+            </a:duotone>
+            <a:extLst>
+              <a:ext uri="{28A0092B-C50C-407E-A947-70E740481C1C}">
+                <a14:useLocalDpi xmlns:a14="http://schemas.microsoft.com/office/drawing/2010/main" val="0"/>
+              </a:ext>
+            </a:extLst>
+          </a:blip>
+          <a:srcRect l="15636" t="24850" r="14938" b="22958"/>
+          <a:stretch/>
+        </p:blipFill>
+        <p:spPr bwMode="auto">
+          <a:xfrm>
+            <a:off x="8804394" y="3057170"/>
+            <a:ext cx="525487" cy="302808"/>
+          </a:xfrm>
+          <a:prstGeom prst="rect">
+            <a:avLst/>
+          </a:prstGeom>
+          <a:noFill/>
+          <a:extLst>
+            <a:ext uri="{909E8E84-426E-40DD-AFC4-6F175D3DCCD1}">
+              <a14:hiddenFill xmlns:a14="http://schemas.microsoft.com/office/drawing/2010/main">
+                <a:solidFill>
+                  <a:srgbClr val="FFFFFF"/>
+                </a:solidFill>
+              </a14:hiddenFill>
+            </a:ext>
+          </a:extLst>
+        </p:spPr>
+      </p:pic>
       <p:cxnSp>
         <p:nvCxnSpPr>
-          <p:cNvPr id="37" name="Straight Connector 36">
-            <a:extLst>
-              <a:ext uri="{FF2B5EF4-FFF2-40B4-BE49-F238E27FC236}">
-                <a16:creationId xmlns:a16="http://schemas.microsoft.com/office/drawing/2014/main" id="{08FA3F78-4D4F-4507-0A5A-6D699FE58E74}"/>
+          <p:cNvPr id="6" name="Straight Connector 5">
+            <a:extLst>
+              <a:ext uri="{FF2B5EF4-FFF2-40B4-BE49-F238E27FC236}">
+                <a16:creationId xmlns:a16="http://schemas.microsoft.com/office/drawing/2014/main" id="{17FF3126-B509-23B8-DB29-8A8676C367D5}"/>
               </a:ext>
             </a:extLst>
           </p:cNvPr>
@@ -4069,8 +4179,8 @@
         </p:nvCxnSpPr>
         <p:spPr>
           <a:xfrm>
-            <a:off x="10328020" y="4671932"/>
-            <a:ext cx="0" cy="1639512"/>
+            <a:off x="10901682" y="4640402"/>
+            <a:ext cx="0" cy="2128260"/>
           </a:xfrm>
           <a:prstGeom prst="line">
             <a:avLst/>
@@ -4101,10 +4211,10 @@
       </p:cxnSp>
       <p:sp>
         <p:nvSpPr>
-          <p:cNvPr id="38" name="TextBox 37">
-            <a:extLst>
-              <a:ext uri="{FF2B5EF4-FFF2-40B4-BE49-F238E27FC236}">
-                <a16:creationId xmlns:a16="http://schemas.microsoft.com/office/drawing/2014/main" id="{1A26E8B6-3235-0E1E-CD00-83FFF5378DE8}"/>
+          <p:cNvPr id="10" name="TextBox 9">
+            <a:extLst>
+              <a:ext uri="{FF2B5EF4-FFF2-40B4-BE49-F238E27FC236}">
+                <a16:creationId xmlns:a16="http://schemas.microsoft.com/office/drawing/2014/main" id="{D4E92DF9-BD7E-88AB-ADEF-E71839F5406C}"/>
               </a:ext>
             </a:extLst>
           </p:cNvPr>
@@ -4113,8 +4223,8 @@
         </p:nvSpPr>
         <p:spPr>
           <a:xfrm>
-            <a:off x="10348537" y="5921421"/>
-            <a:ext cx="2630145" cy="646331"/>
+            <a:off x="7373512" y="6106510"/>
+            <a:ext cx="3528170" cy="738664"/>
           </a:xfrm>
           <a:prstGeom prst="rect">
             <a:avLst/>
@@ -4127,27 +4237,45 @@
           </a:bodyPr>
           <a:lstStyle/>
           <a:p>
-            <a:r>
-              <a:rPr lang="en-US" dirty="0">
+            <a:pPr algn="r"/>
+            <a:r>
+              <a:rPr lang="en-US" sz="1400" b="1" dirty="0">
                 <a:solidFill>
-                  <a:schemeClr val="bg1">
-                    <a:lumMod val="65000"/>
+                  <a:schemeClr val="tx1">
+                    <a:lumMod val="50000"/>
+                    <a:lumOff val="50000"/>
                   </a:schemeClr>
                 </a:solidFill>
               </a:rPr>
-              <a:t>Example: </a:t>
-            </a:r>
-          </a:p>
-          <a:p>
-            <a:r>
-              <a:rPr lang="en-US" dirty="0">
+              <a:t>East Georges Bank haddock</a:t>
+            </a:r>
+          </a:p>
+          <a:p>
+            <a:pPr algn="r"/>
+            <a:r>
+              <a:rPr lang="en-US" sz="1400" dirty="0">
                 <a:solidFill>
-                  <a:schemeClr val="bg1">
-                    <a:lumMod val="65000"/>
+                  <a:schemeClr val="tx1">
+                    <a:lumMod val="50000"/>
+                    <a:lumOff val="50000"/>
                   </a:schemeClr>
                 </a:solidFill>
               </a:rPr>
-              <a:t>Black sea bass</a:t>
+              <a:t>10% historical landings, </a:t>
+            </a:r>
+          </a:p>
+          <a:p>
+            <a:pPr algn="r"/>
+            <a:r>
+              <a:rPr lang="en-US" sz="1400" dirty="0">
+                <a:solidFill>
+                  <a:schemeClr val="tx1">
+                    <a:lumMod val="50000"/>
+                    <a:lumOff val="50000"/>
+                  </a:schemeClr>
+                </a:solidFill>
+              </a:rPr>
+              <a:t>90% current distribution</a:t>
             </a:r>
           </a:p>
         </p:txBody>

--- a/figures/Fig12_shifting_dist_approaches.pptx
+++ b/figures/Fig12_shifting_dist_approaches.pptx
@@ -198,7 +198,7 @@
           <a:p>
             <a:fld id="{B03561BB-84AF-ED42-862E-1836A7BBC8A0}" type="datetimeFigureOut">
               <a:rPr lang="en-US" smtClean="0"/>
-              <a:t>10/10/24</a:t>
+              <a:t>10/22/24</a:t>
             </a:fld>
             <a:endParaRPr lang="en-US"/>
           </a:p>
@@ -696,7 +696,7 @@
           <a:p>
             <a:fld id="{9D780427-7A38-984A-AD6D-5AC4C3D135A3}" type="datetimeFigureOut">
               <a:rPr lang="en-US" smtClean="0"/>
-              <a:t>10/10/24</a:t>
+              <a:t>10/22/24</a:t>
             </a:fld>
             <a:endParaRPr lang="en-US"/>
           </a:p>
@@ -894,7 +894,7 @@
           <a:p>
             <a:fld id="{9D780427-7A38-984A-AD6D-5AC4C3D135A3}" type="datetimeFigureOut">
               <a:rPr lang="en-US" smtClean="0"/>
-              <a:t>10/10/24</a:t>
+              <a:t>10/22/24</a:t>
             </a:fld>
             <a:endParaRPr lang="en-US"/>
           </a:p>
@@ -1102,7 +1102,7 @@
           <a:p>
             <a:fld id="{9D780427-7A38-984A-AD6D-5AC4C3D135A3}" type="datetimeFigureOut">
               <a:rPr lang="en-US" smtClean="0"/>
-              <a:t>10/10/24</a:t>
+              <a:t>10/22/24</a:t>
             </a:fld>
             <a:endParaRPr lang="en-US"/>
           </a:p>
@@ -1300,7 +1300,7 @@
           <a:p>
             <a:fld id="{9D780427-7A38-984A-AD6D-5AC4C3D135A3}" type="datetimeFigureOut">
               <a:rPr lang="en-US" smtClean="0"/>
-              <a:t>10/10/24</a:t>
+              <a:t>10/22/24</a:t>
             </a:fld>
             <a:endParaRPr lang="en-US"/>
           </a:p>
@@ -1575,7 +1575,7 @@
           <a:p>
             <a:fld id="{9D780427-7A38-984A-AD6D-5AC4C3D135A3}" type="datetimeFigureOut">
               <a:rPr lang="en-US" smtClean="0"/>
-              <a:t>10/10/24</a:t>
+              <a:t>10/22/24</a:t>
             </a:fld>
             <a:endParaRPr lang="en-US"/>
           </a:p>
@@ -1840,7 +1840,7 @@
           <a:p>
             <a:fld id="{9D780427-7A38-984A-AD6D-5AC4C3D135A3}" type="datetimeFigureOut">
               <a:rPr lang="en-US" smtClean="0"/>
-              <a:t>10/10/24</a:t>
+              <a:t>10/22/24</a:t>
             </a:fld>
             <a:endParaRPr lang="en-US"/>
           </a:p>
@@ -2252,7 +2252,7 @@
           <a:p>
             <a:fld id="{9D780427-7A38-984A-AD6D-5AC4C3D135A3}" type="datetimeFigureOut">
               <a:rPr lang="en-US" smtClean="0"/>
-              <a:t>10/10/24</a:t>
+              <a:t>10/22/24</a:t>
             </a:fld>
             <a:endParaRPr lang="en-US"/>
           </a:p>
@@ -2393,7 +2393,7 @@
           <a:p>
             <a:fld id="{9D780427-7A38-984A-AD6D-5AC4C3D135A3}" type="datetimeFigureOut">
               <a:rPr lang="en-US" smtClean="0"/>
-              <a:t>10/10/24</a:t>
+              <a:t>10/22/24</a:t>
             </a:fld>
             <a:endParaRPr lang="en-US"/>
           </a:p>
@@ -2506,7 +2506,7 @@
           <a:p>
             <a:fld id="{9D780427-7A38-984A-AD6D-5AC4C3D135A3}" type="datetimeFigureOut">
               <a:rPr lang="en-US" smtClean="0"/>
-              <a:t>10/10/24</a:t>
+              <a:t>10/22/24</a:t>
             </a:fld>
             <a:endParaRPr lang="en-US"/>
           </a:p>
@@ -2817,7 +2817,7 @@
           <a:p>
             <a:fld id="{9D780427-7A38-984A-AD6D-5AC4C3D135A3}" type="datetimeFigureOut">
               <a:rPr lang="en-US" smtClean="0"/>
-              <a:t>10/10/24</a:t>
+              <a:t>10/22/24</a:t>
             </a:fld>
             <a:endParaRPr lang="en-US"/>
           </a:p>
@@ -3105,7 +3105,7 @@
           <a:p>
             <a:fld id="{9D780427-7A38-984A-AD6D-5AC4C3D135A3}" type="datetimeFigureOut">
               <a:rPr lang="en-US" smtClean="0"/>
-              <a:t>10/10/24</a:t>
+              <a:t>10/22/24</a:t>
             </a:fld>
             <a:endParaRPr lang="en-US"/>
           </a:p>
@@ -3346,7 +3346,7 @@
           <a:p>
             <a:fld id="{9D780427-7A38-984A-AD6D-5AC4C3D135A3}" type="datetimeFigureOut">
               <a:rPr lang="en-US" smtClean="0"/>
-              <a:t>10/10/24</a:t>
+              <a:t>10/22/24</a:t>
             </a:fld>
             <a:endParaRPr lang="en-US"/>
           </a:p>
@@ -3778,7 +3778,9 @@
           <p:nvPr/>
         </p:nvPicPr>
         <p:blipFill>
-          <a:blip r:embed="rId3"/>
+          <a:blip r:embed="rId3">
+            <a:alphaModFix/>
+          </a:blip>
           <a:stretch>
             <a:fillRect/>
           </a:stretch>
